--- a/presentation.pptx
+++ b/presentation.pptx
@@ -274,7 +274,7 @@
           <a:p>
             <a:fld id="{66FBF31F-D646-4B4D-8BD4-04E24DAB732E}" type="datetimeFigureOut">
               <a:rPr lang="ko-KR" altLang="en-US" smtClean="0"/>
-              <a:t>2021-01-11</a:t>
+              <a:t>2021-01-13</a:t>
             </a:fld>
             <a:endParaRPr lang="ko-KR" altLang="en-US"/>
           </a:p>
@@ -472,7 +472,7 @@
           <a:p>
             <a:fld id="{66FBF31F-D646-4B4D-8BD4-04E24DAB732E}" type="datetimeFigureOut">
               <a:rPr lang="ko-KR" altLang="en-US" smtClean="0"/>
-              <a:t>2021-01-11</a:t>
+              <a:t>2021-01-13</a:t>
             </a:fld>
             <a:endParaRPr lang="ko-KR" altLang="en-US"/>
           </a:p>
@@ -680,7 +680,7 @@
           <a:p>
             <a:fld id="{66FBF31F-D646-4B4D-8BD4-04E24DAB732E}" type="datetimeFigureOut">
               <a:rPr lang="ko-KR" altLang="en-US" smtClean="0"/>
-              <a:t>2021-01-11</a:t>
+              <a:t>2021-01-13</a:t>
             </a:fld>
             <a:endParaRPr lang="ko-KR" altLang="en-US"/>
           </a:p>
@@ -878,7 +878,7 @@
           <a:p>
             <a:fld id="{66FBF31F-D646-4B4D-8BD4-04E24DAB732E}" type="datetimeFigureOut">
               <a:rPr lang="ko-KR" altLang="en-US" smtClean="0"/>
-              <a:t>2021-01-11</a:t>
+              <a:t>2021-01-13</a:t>
             </a:fld>
             <a:endParaRPr lang="ko-KR" altLang="en-US"/>
           </a:p>
@@ -1153,7 +1153,7 @@
           <a:p>
             <a:fld id="{66FBF31F-D646-4B4D-8BD4-04E24DAB732E}" type="datetimeFigureOut">
               <a:rPr lang="ko-KR" altLang="en-US" smtClean="0"/>
-              <a:t>2021-01-11</a:t>
+              <a:t>2021-01-13</a:t>
             </a:fld>
             <a:endParaRPr lang="ko-KR" altLang="en-US"/>
           </a:p>
@@ -1418,7 +1418,7 @@
           <a:p>
             <a:fld id="{66FBF31F-D646-4B4D-8BD4-04E24DAB732E}" type="datetimeFigureOut">
               <a:rPr lang="ko-KR" altLang="en-US" smtClean="0"/>
-              <a:t>2021-01-11</a:t>
+              <a:t>2021-01-13</a:t>
             </a:fld>
             <a:endParaRPr lang="ko-KR" altLang="en-US"/>
           </a:p>
@@ -1830,7 +1830,7 @@
           <a:p>
             <a:fld id="{66FBF31F-D646-4B4D-8BD4-04E24DAB732E}" type="datetimeFigureOut">
               <a:rPr lang="ko-KR" altLang="en-US" smtClean="0"/>
-              <a:t>2021-01-11</a:t>
+              <a:t>2021-01-13</a:t>
             </a:fld>
             <a:endParaRPr lang="ko-KR" altLang="en-US"/>
           </a:p>
@@ -1971,7 +1971,7 @@
           <a:p>
             <a:fld id="{66FBF31F-D646-4B4D-8BD4-04E24DAB732E}" type="datetimeFigureOut">
               <a:rPr lang="ko-KR" altLang="en-US" smtClean="0"/>
-              <a:t>2021-01-11</a:t>
+              <a:t>2021-01-13</a:t>
             </a:fld>
             <a:endParaRPr lang="ko-KR" altLang="en-US"/>
           </a:p>
@@ -2084,7 +2084,7 @@
           <a:p>
             <a:fld id="{66FBF31F-D646-4B4D-8BD4-04E24DAB732E}" type="datetimeFigureOut">
               <a:rPr lang="ko-KR" altLang="en-US" smtClean="0"/>
-              <a:t>2021-01-11</a:t>
+              <a:t>2021-01-13</a:t>
             </a:fld>
             <a:endParaRPr lang="ko-KR" altLang="en-US"/>
           </a:p>
@@ -2395,7 +2395,7 @@
           <a:p>
             <a:fld id="{66FBF31F-D646-4B4D-8BD4-04E24DAB732E}" type="datetimeFigureOut">
               <a:rPr lang="ko-KR" altLang="en-US" smtClean="0"/>
-              <a:t>2021-01-11</a:t>
+              <a:t>2021-01-13</a:t>
             </a:fld>
             <a:endParaRPr lang="ko-KR" altLang="en-US"/>
           </a:p>
@@ -2683,7 +2683,7 @@
           <a:p>
             <a:fld id="{66FBF31F-D646-4B4D-8BD4-04E24DAB732E}" type="datetimeFigureOut">
               <a:rPr lang="ko-KR" altLang="en-US" smtClean="0"/>
-              <a:t>2021-01-11</a:t>
+              <a:t>2021-01-13</a:t>
             </a:fld>
             <a:endParaRPr lang="ko-KR" altLang="en-US"/>
           </a:p>
@@ -2924,7 +2924,7 @@
           <a:p>
             <a:fld id="{66FBF31F-D646-4B4D-8BD4-04E24DAB732E}" type="datetimeFigureOut">
               <a:rPr lang="ko-KR" altLang="en-US" smtClean="0"/>
-              <a:t>2021-01-11</a:t>
+              <a:t>2021-01-13</a:t>
             </a:fld>
             <a:endParaRPr lang="ko-KR" altLang="en-US"/>
           </a:p>
@@ -16758,8 +16758,8 @@
           </a:p>
         </p:txBody>
       </p:sp>
-      <mc:AlternateContent xmlns:mc="http://schemas.openxmlformats.org/markup-compatibility/2006">
-        <mc:Choice xmlns:a14="http://schemas.microsoft.com/office/drawing/2010/main" Requires="a14">
+      <mc:AlternateContent xmlns:mc="http://schemas.openxmlformats.org/markup-compatibility/2006" xmlns:a14="http://schemas.microsoft.com/office/drawing/2010/main">
+        <mc:Choice Requires="a14">
           <p:sp>
             <p:nvSpPr>
               <p:cNvPr id="105" name="사각형: 둥근 모서리 104">
@@ -16840,7 +16840,7 @@
             </p:txBody>
           </p:sp>
         </mc:Choice>
-        <mc:Fallback>
+        <mc:Fallback xmlns="">
           <p:sp>
             <p:nvSpPr>
               <p:cNvPr id="105" name="사각형: 둥근 모서리 104">
@@ -16960,8 +16960,8 @@
           </a:p>
         </p:txBody>
       </p:sp>
-      <mc:AlternateContent xmlns:mc="http://schemas.openxmlformats.org/markup-compatibility/2006">
-        <mc:Choice xmlns:a14="http://schemas.microsoft.com/office/drawing/2010/main" Requires="a14">
+      <mc:AlternateContent xmlns:mc="http://schemas.openxmlformats.org/markup-compatibility/2006" xmlns:a14="http://schemas.microsoft.com/office/drawing/2010/main">
+        <mc:Choice Requires="a14">
           <p:sp>
             <p:nvSpPr>
               <p:cNvPr id="118" name="사각형: 둥근 모서리 117">
@@ -17067,7 +17067,7 @@
             </p:txBody>
           </p:sp>
         </mc:Choice>
-        <mc:Fallback>
+        <mc:Fallback xmlns="">
           <p:sp>
             <p:nvSpPr>
               <p:cNvPr id="118" name="사각형: 둥근 모서리 117">
@@ -17119,8 +17119,8 @@
           </p:sp>
         </mc:Fallback>
       </mc:AlternateContent>
-      <mc:AlternateContent xmlns:mc="http://schemas.openxmlformats.org/markup-compatibility/2006">
-        <mc:Choice xmlns:a14="http://schemas.microsoft.com/office/drawing/2010/main" Requires="a14">
+      <mc:AlternateContent xmlns:mc="http://schemas.openxmlformats.org/markup-compatibility/2006" xmlns:a14="http://schemas.microsoft.com/office/drawing/2010/main">
+        <mc:Choice Requires="a14">
           <p:sp>
             <p:nvSpPr>
               <p:cNvPr id="6" name="TextBox 5">
@@ -17149,6 +17149,7 @@
               </a:bodyPr>
               <a:lstStyle/>
               <a:p>
+                <a:pPr/>
                 <a14:m>
                   <m:oMathPara xmlns:m="http://schemas.openxmlformats.org/officeDocument/2006/math">
                     <m:oMathParaPr>
@@ -17182,7 +17183,7 @@
                       <m:sSub>
                         <m:sSubPr>
                           <m:ctrlPr>
-                            <a:rPr lang="en-US" altLang="ko-KR" sz="1400" b="0" i="0" smtClean="0">
+                            <a:rPr lang="en-US" altLang="ko-KR" sz="1400" b="0" i="1" smtClean="0">
                               <a:latin typeface="Cambria Math" panose="02040503050406030204" pitchFamily="18" charset="0"/>
                             </a:rPr>
                           </m:ctrlPr>
@@ -17195,16 +17196,7 @@
                             <a:rPr lang="en-US" altLang="ko-KR" sz="1400" b="0" i="0" smtClean="0">
                               <a:latin typeface="Cambria Math" panose="02040503050406030204" pitchFamily="18" charset="0"/>
                             </a:rPr>
-                            <m:t>D</m:t>
-                          </m:r>
-                          <m:r>
-                            <m:rPr>
-                              <m:sty m:val="p"/>
-                            </m:rPr>
-                            <a:rPr lang="en-US" altLang="ko-KR" sz="1400" b="0" i="0" smtClean="0">
-                              <a:latin typeface="Cambria Math" panose="02040503050406030204" pitchFamily="18" charset="0"/>
-                            </a:rPr>
-                            <m:t>im</m:t>
+                            <m:t>Dim</m:t>
                           </m:r>
                         </m:e>
                         <m:sub>
@@ -17227,7 +17219,7 @@
             </p:txBody>
           </p:sp>
         </mc:Choice>
-        <mc:Fallback>
+        <mc:Fallback xmlns="">
           <p:sp>
             <p:nvSpPr>
               <p:cNvPr id="6" name="TextBox 5">
@@ -17272,8 +17264,8 @@
           </p:sp>
         </mc:Fallback>
       </mc:AlternateContent>
-      <mc:AlternateContent xmlns:mc="http://schemas.openxmlformats.org/markup-compatibility/2006">
-        <mc:Choice xmlns:a14="http://schemas.microsoft.com/office/drawing/2010/main" Requires="a14">
+      <mc:AlternateContent xmlns:mc="http://schemas.openxmlformats.org/markup-compatibility/2006" xmlns:a14="http://schemas.microsoft.com/office/drawing/2010/main">
+        <mc:Choice Requires="a14">
           <p:sp>
             <p:nvSpPr>
               <p:cNvPr id="119" name="TextBox 118">
@@ -17385,7 +17377,7 @@
             </p:txBody>
           </p:sp>
         </mc:Choice>
-        <mc:Fallback>
+        <mc:Fallback xmlns="">
           <p:sp>
             <p:nvSpPr>
               <p:cNvPr id="119" name="TextBox 118">
@@ -17430,8 +17422,8 @@
           </p:sp>
         </mc:Fallback>
       </mc:AlternateContent>
-      <mc:AlternateContent xmlns:mc="http://schemas.openxmlformats.org/markup-compatibility/2006">
-        <mc:Choice xmlns:a14="http://schemas.microsoft.com/office/drawing/2010/main" Requires="a14">
+      <mc:AlternateContent xmlns:mc="http://schemas.openxmlformats.org/markup-compatibility/2006" xmlns:a14="http://schemas.microsoft.com/office/drawing/2010/main">
+        <mc:Choice Requires="a14">
           <p:sp>
             <p:nvSpPr>
               <p:cNvPr id="120" name="사각형: 둥근 모서리 119">
@@ -17537,7 +17529,7 @@
             </p:txBody>
           </p:sp>
         </mc:Choice>
-        <mc:Fallback>
+        <mc:Fallback xmlns="">
           <p:sp>
             <p:nvSpPr>
               <p:cNvPr id="120" name="사각형: 둥근 모서리 119">
@@ -17589,8 +17581,8 @@
           </p:sp>
         </mc:Fallback>
       </mc:AlternateContent>
-      <mc:AlternateContent xmlns:mc="http://schemas.openxmlformats.org/markup-compatibility/2006">
-        <mc:Choice xmlns:a14="http://schemas.microsoft.com/office/drawing/2010/main" Requires="a14">
+      <mc:AlternateContent xmlns:mc="http://schemas.openxmlformats.org/markup-compatibility/2006" xmlns:a14="http://schemas.microsoft.com/office/drawing/2010/main">
+        <mc:Choice Requires="a14">
           <p:sp>
             <p:nvSpPr>
               <p:cNvPr id="122" name="사각형: 둥근 모서리 121">
@@ -17696,7 +17688,7 @@
             </p:txBody>
           </p:sp>
         </mc:Choice>
-        <mc:Fallback>
+        <mc:Fallback xmlns="">
           <p:sp>
             <p:nvSpPr>
               <p:cNvPr id="122" name="사각형: 둥근 모서리 121">
@@ -17748,8 +17740,8 @@
           </p:sp>
         </mc:Fallback>
       </mc:AlternateContent>
-      <mc:AlternateContent xmlns:mc="http://schemas.openxmlformats.org/markup-compatibility/2006">
-        <mc:Choice xmlns:a14="http://schemas.microsoft.com/office/drawing/2010/main" Requires="a14">
+      <mc:AlternateContent xmlns:mc="http://schemas.openxmlformats.org/markup-compatibility/2006" xmlns:a14="http://schemas.microsoft.com/office/drawing/2010/main">
+        <mc:Choice Requires="a14">
           <p:sp>
             <p:nvSpPr>
               <p:cNvPr id="123" name="사각형: 둥근 모서리 122">
@@ -17855,7 +17847,7 @@
             </p:txBody>
           </p:sp>
         </mc:Choice>
-        <mc:Fallback>
+        <mc:Fallback xmlns="">
           <p:sp>
             <p:nvSpPr>
               <p:cNvPr id="123" name="사각형: 둥근 모서리 122">
@@ -17907,8 +17899,8 @@
           </p:sp>
         </mc:Fallback>
       </mc:AlternateContent>
-      <mc:AlternateContent xmlns:mc="http://schemas.openxmlformats.org/markup-compatibility/2006">
-        <mc:Choice xmlns:a14="http://schemas.microsoft.com/office/drawing/2010/main" Requires="a14">
+      <mc:AlternateContent xmlns:mc="http://schemas.openxmlformats.org/markup-compatibility/2006" xmlns:a14="http://schemas.microsoft.com/office/drawing/2010/main">
+        <mc:Choice Requires="a14">
           <p:sp>
             <p:nvSpPr>
               <p:cNvPr id="125" name="사각형: 둥근 모서리 124">
@@ -17989,7 +17981,7 @@
             </p:txBody>
           </p:sp>
         </mc:Choice>
-        <mc:Fallback>
+        <mc:Fallback xmlns="">
           <p:sp>
             <p:nvSpPr>
               <p:cNvPr id="125" name="사각형: 둥근 모서리 124">
@@ -18041,8 +18033,8 @@
           </p:sp>
         </mc:Fallback>
       </mc:AlternateContent>
-      <mc:AlternateContent xmlns:mc="http://schemas.openxmlformats.org/markup-compatibility/2006">
-        <mc:Choice xmlns:a14="http://schemas.microsoft.com/office/drawing/2010/main" Requires="a14">
+      <mc:AlternateContent xmlns:mc="http://schemas.openxmlformats.org/markup-compatibility/2006" xmlns:a14="http://schemas.microsoft.com/office/drawing/2010/main">
+        <mc:Choice Requires="a14">
           <p:sp>
             <p:nvSpPr>
               <p:cNvPr id="142" name="사각형: 둥근 모서리 141">
@@ -18123,7 +18115,7 @@
             </p:txBody>
           </p:sp>
         </mc:Choice>
-        <mc:Fallback>
+        <mc:Fallback xmlns="">
           <p:sp>
             <p:nvSpPr>
               <p:cNvPr id="142" name="사각형: 둥근 모서리 141">
@@ -18175,8 +18167,8 @@
           </p:sp>
         </mc:Fallback>
       </mc:AlternateContent>
-      <mc:AlternateContent xmlns:mc="http://schemas.openxmlformats.org/markup-compatibility/2006">
-        <mc:Choice xmlns:a14="http://schemas.microsoft.com/office/drawing/2010/main" Requires="a14">
+      <mc:AlternateContent xmlns:mc="http://schemas.openxmlformats.org/markup-compatibility/2006" xmlns:a14="http://schemas.microsoft.com/office/drawing/2010/main">
+        <mc:Choice Requires="a14">
           <p:sp>
             <p:nvSpPr>
               <p:cNvPr id="143" name="사각형: 둥근 모서리 142">
@@ -18282,7 +18274,7 @@
             </p:txBody>
           </p:sp>
         </mc:Choice>
-        <mc:Fallback>
+        <mc:Fallback xmlns="">
           <p:sp>
             <p:nvSpPr>
               <p:cNvPr id="143" name="사각형: 둥근 모서리 142">
@@ -18334,8 +18326,8 @@
           </p:sp>
         </mc:Fallback>
       </mc:AlternateContent>
-      <mc:AlternateContent xmlns:mc="http://schemas.openxmlformats.org/markup-compatibility/2006">
-        <mc:Choice xmlns:a14="http://schemas.microsoft.com/office/drawing/2010/main" Requires="a14">
+      <mc:AlternateContent xmlns:mc="http://schemas.openxmlformats.org/markup-compatibility/2006" xmlns:a14="http://schemas.microsoft.com/office/drawing/2010/main">
+        <mc:Choice Requires="a14">
           <p:sp>
             <p:nvSpPr>
               <p:cNvPr id="11" name="TextBox 10">
@@ -18364,6 +18356,7 @@
               </a:bodyPr>
               <a:lstStyle/>
               <a:p>
+                <a:pPr/>
                 <a14:m>
                   <m:oMathPara xmlns:m="http://schemas.openxmlformats.org/officeDocument/2006/math">
                     <m:oMathParaPr>
@@ -18426,7 +18419,7 @@
             </p:txBody>
           </p:sp>
         </mc:Choice>
-        <mc:Fallback>
+        <mc:Fallback xmlns="">
           <p:sp>
             <p:nvSpPr>
               <p:cNvPr id="11" name="TextBox 10">
@@ -18471,8 +18464,8 @@
           </p:sp>
         </mc:Fallback>
       </mc:AlternateContent>
-      <mc:AlternateContent xmlns:mc="http://schemas.openxmlformats.org/markup-compatibility/2006">
-        <mc:Choice xmlns:a14="http://schemas.microsoft.com/office/drawing/2010/main" Requires="a14">
+      <mc:AlternateContent xmlns:mc="http://schemas.openxmlformats.org/markup-compatibility/2006" xmlns:a14="http://schemas.microsoft.com/office/drawing/2010/main">
+        <mc:Choice Requires="a14">
           <p:sp>
             <p:nvSpPr>
               <p:cNvPr id="145" name="TextBox 144">
@@ -18584,7 +18577,7 @@
             </p:txBody>
           </p:sp>
         </mc:Choice>
-        <mc:Fallback>
+        <mc:Fallback xmlns="">
           <p:sp>
             <p:nvSpPr>
               <p:cNvPr id="145" name="TextBox 144">
@@ -18629,8 +18622,8 @@
           </p:sp>
         </mc:Fallback>
       </mc:AlternateContent>
-      <mc:AlternateContent xmlns:mc="http://schemas.openxmlformats.org/markup-compatibility/2006">
-        <mc:Choice xmlns:a14="http://schemas.microsoft.com/office/drawing/2010/main" Requires="a14">
+      <mc:AlternateContent xmlns:mc="http://schemas.openxmlformats.org/markup-compatibility/2006" xmlns:a14="http://schemas.microsoft.com/office/drawing/2010/main">
+        <mc:Choice Requires="a14">
           <p:sp>
             <p:nvSpPr>
               <p:cNvPr id="146" name="TextBox 145">
@@ -18717,7 +18710,7 @@
             </p:txBody>
           </p:sp>
         </mc:Choice>
-        <mc:Fallback>
+        <mc:Fallback xmlns="">
           <p:sp>
             <p:nvSpPr>
               <p:cNvPr id="146" name="TextBox 145">
@@ -18762,8 +18755,8 @@
           </p:sp>
         </mc:Fallback>
       </mc:AlternateContent>
-      <mc:AlternateContent xmlns:mc="http://schemas.openxmlformats.org/markup-compatibility/2006">
-        <mc:Choice xmlns:a14="http://schemas.microsoft.com/office/drawing/2010/main" Requires="a14">
+      <mc:AlternateContent xmlns:mc="http://schemas.openxmlformats.org/markup-compatibility/2006" xmlns:a14="http://schemas.microsoft.com/office/drawing/2010/main">
+        <mc:Choice Requires="a14">
           <p:sp>
             <p:nvSpPr>
               <p:cNvPr id="147" name="TextBox 146">
@@ -18792,6 +18785,7 @@
               </a:bodyPr>
               <a:lstStyle/>
               <a:p>
+                <a:pPr/>
                 <a14:m>
                   <m:oMathPara xmlns:m="http://schemas.openxmlformats.org/officeDocument/2006/math">
                     <m:oMathParaPr>
@@ -18813,7 +18807,7 @@
                       <m:sSub>
                         <m:sSubPr>
                           <m:ctrlPr>
-                            <a:rPr lang="en-US" altLang="ko-KR" sz="1400" b="0" i="0" smtClean="0">
+                            <a:rPr lang="en-US" altLang="ko-KR" sz="1400" b="0" i="1" smtClean="0">
                               <a:latin typeface="Cambria Math" panose="02040503050406030204" pitchFamily="18" charset="0"/>
                             </a:rPr>
                           </m:ctrlPr>
@@ -18826,16 +18820,7 @@
                             <a:rPr lang="en-US" altLang="ko-KR" sz="1400" b="0" i="0" smtClean="0">
                               <a:latin typeface="Cambria Math" panose="02040503050406030204" pitchFamily="18" charset="0"/>
                             </a:rPr>
-                            <m:t>D</m:t>
-                          </m:r>
-                          <m:r>
-                            <m:rPr>
-                              <m:sty m:val="p"/>
-                            </m:rPr>
-                            <a:rPr lang="en-US" altLang="ko-KR" sz="1400" b="0" i="0" smtClean="0">
-                              <a:latin typeface="Cambria Math" panose="02040503050406030204" pitchFamily="18" charset="0"/>
-                            </a:rPr>
-                            <m:t>im</m:t>
+                            <m:t>Dim</m:t>
                           </m:r>
                         </m:e>
                         <m:sub>
@@ -18858,7 +18843,7 @@
             </p:txBody>
           </p:sp>
         </mc:Choice>
-        <mc:Fallback>
+        <mc:Fallback xmlns="">
           <p:sp>
             <p:nvSpPr>
               <p:cNvPr id="147" name="TextBox 146">
@@ -19076,8 +19061,8 @@
           </a:fontRef>
         </p:style>
       </p:cxnSp>
-      <mc:AlternateContent xmlns:mc="http://schemas.openxmlformats.org/markup-compatibility/2006">
-        <mc:Choice xmlns:a14="http://schemas.microsoft.com/office/drawing/2010/main" Requires="a14">
+      <mc:AlternateContent xmlns:mc="http://schemas.openxmlformats.org/markup-compatibility/2006" xmlns:a14="http://schemas.microsoft.com/office/drawing/2010/main">
+        <mc:Choice Requires="a14">
           <p:sp>
             <p:nvSpPr>
               <p:cNvPr id="150" name="사각형: 둥근 모서리 149">
@@ -19296,7 +19281,7 @@
             </p:txBody>
           </p:sp>
         </mc:Choice>
-        <mc:Fallback>
+        <mc:Fallback xmlns="">
           <p:sp>
             <p:nvSpPr>
               <p:cNvPr id="150" name="사각형: 둥근 모서리 149">
@@ -19348,8 +19333,8 @@
           </p:sp>
         </mc:Fallback>
       </mc:AlternateContent>
-      <mc:AlternateContent xmlns:mc="http://schemas.openxmlformats.org/markup-compatibility/2006">
-        <mc:Choice xmlns:a14="http://schemas.microsoft.com/office/drawing/2010/main" Requires="a14">
+      <mc:AlternateContent xmlns:mc="http://schemas.openxmlformats.org/markup-compatibility/2006" xmlns:a14="http://schemas.microsoft.com/office/drawing/2010/main">
+        <mc:Choice Requires="a14">
           <p:sp>
             <p:nvSpPr>
               <p:cNvPr id="151" name="TextBox 150">
@@ -19461,7 +19446,7 @@
             </p:txBody>
           </p:sp>
         </mc:Choice>
-        <mc:Fallback>
+        <mc:Fallback xmlns="">
           <p:sp>
             <p:nvSpPr>
               <p:cNvPr id="151" name="TextBox 150">
@@ -39624,110 +39609,6 @@
           </a:fontRef>
         </p:style>
       </p:cxnSp>
-      <p:sp>
-        <p:nvSpPr>
-          <p:cNvPr id="2" name="사각형: 둥근 모서리 1">
-            <a:extLst>
-              <a:ext uri="{FF2B5EF4-FFF2-40B4-BE49-F238E27FC236}">
-                <a16:creationId xmlns:a16="http://schemas.microsoft.com/office/drawing/2014/main" id="{D42B308E-5860-4393-A0DC-BEBBCADA279E}"/>
-              </a:ext>
-            </a:extLst>
-          </p:cNvPr>
-          <p:cNvSpPr/>
-          <p:nvPr/>
-        </p:nvSpPr>
-        <p:spPr>
-          <a:xfrm>
-            <a:off x="450752" y="4380597"/>
-            <a:ext cx="4676230" cy="1954231"/>
-          </a:xfrm>
-          <a:prstGeom prst="roundRect">
-            <a:avLst/>
-          </a:prstGeom>
-        </p:spPr>
-        <p:style>
-          <a:lnRef idx="2">
-            <a:schemeClr val="accent4">
-              <a:shade val="50000"/>
-            </a:schemeClr>
-          </a:lnRef>
-          <a:fillRef idx="1">
-            <a:schemeClr val="accent4"/>
-          </a:fillRef>
-          <a:effectRef idx="0">
-            <a:schemeClr val="accent4"/>
-          </a:effectRef>
-          <a:fontRef idx="minor">
-            <a:schemeClr val="lt1"/>
-          </a:fontRef>
-        </p:style>
-        <p:txBody>
-          <a:bodyPr rtlCol="0" anchor="ctr"/>
-          <a:lstStyle/>
-          <a:p>
-            <a:r>
-              <a:rPr lang="en-US" altLang="ko-KR" sz="2000" b="1" dirty="0">
-                <a:solidFill>
-                  <a:sysClr val="windowText" lastClr="000000"/>
-                </a:solidFill>
-              </a:rPr>
-              <a:t>Possible Experiment </a:t>
-            </a:r>
-          </a:p>
-          <a:p>
-            <a:r>
-              <a:rPr lang="en-US" altLang="ko-KR" sz="2000" dirty="0">
-                <a:solidFill>
-                  <a:sysClr val="windowText" lastClr="000000"/>
-                </a:solidFill>
-              </a:rPr>
-              <a:t>1. Advance</a:t>
-            </a:r>
-            <a:r>
-              <a:rPr lang="ko-KR" altLang="en-US" sz="2000" dirty="0">
-                <a:solidFill>
-                  <a:sysClr val="windowText" lastClr="000000"/>
-                </a:solidFill>
-              </a:rPr>
-              <a:t> </a:t>
-            </a:r>
-            <a:r>
-              <a:rPr lang="en-US" altLang="ko-KR" sz="2000" dirty="0">
-                <a:solidFill>
-                  <a:sysClr val="windowText" lastClr="000000"/>
-                </a:solidFill>
-              </a:rPr>
-              <a:t>Model</a:t>
-            </a:r>
-            <a:r>
-              <a:rPr lang="ko-KR" altLang="en-US" sz="2000" dirty="0">
-                <a:solidFill>
-                  <a:sysClr val="windowText" lastClr="000000"/>
-                </a:solidFill>
-              </a:rPr>
-              <a:t> </a:t>
-            </a:r>
-            <a:r>
-              <a:rPr lang="en-US" altLang="ko-KR" sz="2000" dirty="0">
-                <a:solidFill>
-                  <a:sysClr val="windowText" lastClr="000000"/>
-                </a:solidFill>
-              </a:rPr>
-              <a:t>Architecture</a:t>
-            </a:r>
-          </a:p>
-          <a:p>
-            <a:r>
-              <a:rPr lang="en-US" altLang="ko-KR" sz="2000" dirty="0">
-                <a:solidFill>
-                  <a:sysClr val="windowText" lastClr="000000"/>
-                </a:solidFill>
-              </a:rPr>
-              <a:t>2. Training Strategy for CVAE with annealing schedule</a:t>
-            </a:r>
-          </a:p>
-        </p:txBody>
-      </p:sp>
       <p:pic>
         <p:nvPicPr>
           <p:cNvPr id="89" name="그래픽 88" descr="문서 윤곽선">
@@ -40574,6 +40455,669 @@
           </a:p>
         </p:txBody>
       </p:sp>
+      <mc:AlternateContent xmlns:mc="http://schemas.openxmlformats.org/markup-compatibility/2006">
+        <mc:Choice xmlns:a14="http://schemas.microsoft.com/office/drawing/2010/main" Requires="a14">
+          <p:sp>
+            <p:nvSpPr>
+              <p:cNvPr id="112" name="TextBox 111">
+                <a:extLst>
+                  <a:ext uri="{FF2B5EF4-FFF2-40B4-BE49-F238E27FC236}">
+                    <a16:creationId xmlns:a16="http://schemas.microsoft.com/office/drawing/2014/main" id="{18367B22-6714-48E8-824F-CD832E3018C8}"/>
+                  </a:ext>
+                </a:extLst>
+              </p:cNvPr>
+              <p:cNvSpPr txBox="1"/>
+              <p:nvPr/>
+            </p:nvSpPr>
+            <p:spPr>
+              <a:xfrm>
+                <a:off x="822697" y="5081807"/>
+                <a:ext cx="3981914" cy="658770"/>
+              </a:xfrm>
+              <a:prstGeom prst="rect">
+                <a:avLst/>
+              </a:prstGeom>
+              <a:noFill/>
+            </p:spPr>
+            <p:txBody>
+              <a:bodyPr wrap="square" rtlCol="0">
+                <a:spAutoFit/>
+              </a:bodyPr>
+              <a:lstStyle/>
+              <a:p>
+                <a:pPr/>
+                <a14:m>
+                  <m:oMathPara xmlns:m="http://schemas.openxmlformats.org/officeDocument/2006/math">
+                    <m:oMathParaPr>
+                      <m:jc m:val="centerGroup"/>
+                    </m:oMathParaPr>
+                    <m:oMath xmlns:m="http://schemas.openxmlformats.org/officeDocument/2006/math">
+                      <m:func>
+                        <m:funcPr>
+                          <m:ctrlPr>
+                            <a:rPr lang="en-US" altLang="ko-KR" b="0" i="1" smtClean="0">
+                              <a:latin typeface="Cambria Math" panose="02040503050406030204" pitchFamily="18" charset="0"/>
+                            </a:rPr>
+                          </m:ctrlPr>
+                        </m:funcPr>
+                        <m:fName>
+                          <m:r>
+                            <m:rPr>
+                              <m:sty m:val="p"/>
+                            </m:rPr>
+                            <a:rPr lang="en-US" altLang="ko-KR" b="0" i="0" smtClean="0">
+                              <a:latin typeface="Cambria Math" panose="02040503050406030204" pitchFamily="18" charset="0"/>
+                            </a:rPr>
+                            <m:t>log</m:t>
+                          </m:r>
+                        </m:fName>
+                        <m:e>
+                          <m:sSub>
+                            <m:sSubPr>
+                              <m:ctrlPr>
+                                <a:rPr lang="en-US" altLang="ko-KR" b="0" i="1" smtClean="0">
+                                  <a:latin typeface="Cambria Math" panose="02040503050406030204" pitchFamily="18" charset="0"/>
+                                </a:rPr>
+                              </m:ctrlPr>
+                            </m:sSubPr>
+                            <m:e>
+                              <m:r>
+                                <a:rPr lang="en-US" altLang="ko-KR" b="0" i="1" smtClean="0">
+                                  <a:latin typeface="Cambria Math" panose="02040503050406030204" pitchFamily="18" charset="0"/>
+                                </a:rPr>
+                                <m:t>𝑝</m:t>
+                              </m:r>
+                            </m:e>
+                            <m:sub>
+                              <m:r>
+                                <a:rPr lang="en-US" altLang="ko-KR" b="0" i="1" smtClean="0">
+                                  <a:latin typeface="Cambria Math" panose="02040503050406030204" pitchFamily="18" charset="0"/>
+                                </a:rPr>
+                                <m:t>𝜃</m:t>
+                              </m:r>
+                            </m:sub>
+                          </m:sSub>
+                          <m:d>
+                            <m:dPr>
+                              <m:ctrlPr>
+                                <a:rPr lang="en-US" altLang="ko-KR" b="0" i="1" smtClean="0">
+                                  <a:latin typeface="Cambria Math" panose="02040503050406030204" pitchFamily="18" charset="0"/>
+                                </a:rPr>
+                              </m:ctrlPr>
+                            </m:dPr>
+                            <m:e>
+                              <m:r>
+                                <a:rPr lang="en-US" altLang="ko-KR" b="0" i="1" smtClean="0">
+                                  <a:latin typeface="Cambria Math" panose="02040503050406030204" pitchFamily="18" charset="0"/>
+                                </a:rPr>
+                                <m:t>𝑦</m:t>
+                              </m:r>
+                              <m:r>
+                                <a:rPr lang="en-US" altLang="ko-KR" b="0" i="1" smtClean="0">
+                                  <a:latin typeface="Cambria Math" panose="02040503050406030204" pitchFamily="18" charset="0"/>
+                                </a:rPr>
+                                <m:t>|</m:t>
+                              </m:r>
+                              <m:r>
+                                <a:rPr lang="en-US" altLang="ko-KR" b="0" i="1" smtClean="0">
+                                  <a:latin typeface="Cambria Math" panose="02040503050406030204" pitchFamily="18" charset="0"/>
+                                </a:rPr>
+                                <m:t>𝑥</m:t>
+                              </m:r>
+                            </m:e>
+                          </m:d>
+                          <m:r>
+                            <a:rPr lang="en-US" altLang="ko-KR" b="0" i="1" smtClean="0">
+                              <a:latin typeface="Cambria Math" panose="02040503050406030204" pitchFamily="18" charset="0"/>
+                            </a:rPr>
+                            <m:t>≥</m:t>
+                          </m:r>
+                          <m:nary>
+                            <m:naryPr>
+                              <m:subHide m:val="on"/>
+                              <m:supHide m:val="on"/>
+                              <m:ctrlPr>
+                                <a:rPr lang="en-US" altLang="ko-KR" b="0" i="1" smtClean="0">
+                                  <a:latin typeface="Cambria Math" panose="02040503050406030204" pitchFamily="18" charset="0"/>
+                                </a:rPr>
+                              </m:ctrlPr>
+                            </m:naryPr>
+                            <m:sub/>
+                            <m:sup/>
+                            <m:e>
+                              <m:func>
+                                <m:funcPr>
+                                  <m:ctrlPr>
+                                    <a:rPr lang="en-US" altLang="ko-KR" b="0" i="1" smtClean="0">
+                                      <a:latin typeface="Cambria Math" panose="02040503050406030204" pitchFamily="18" charset="0"/>
+                                    </a:rPr>
+                                  </m:ctrlPr>
+                                </m:funcPr>
+                                <m:fName>
+                                  <m:r>
+                                    <m:rPr>
+                                      <m:sty m:val="p"/>
+                                    </m:rPr>
+                                    <a:rPr lang="en-US" altLang="ko-KR" b="0" i="0" smtClean="0">
+                                      <a:latin typeface="Cambria Math" panose="02040503050406030204" pitchFamily="18" charset="0"/>
+                                    </a:rPr>
+                                    <m:t>log</m:t>
+                                  </m:r>
+                                </m:fName>
+                                <m:e>
+                                  <m:r>
+                                    <a:rPr lang="en-US" altLang="ko-KR" b="0" i="1" smtClean="0">
+                                      <a:latin typeface="Cambria Math" panose="02040503050406030204" pitchFamily="18" charset="0"/>
+                                    </a:rPr>
+                                    <m:t>𝑝</m:t>
+                                  </m:r>
+                                  <m:d>
+                                    <m:dPr>
+                                      <m:ctrlPr>
+                                        <a:rPr lang="en-US" altLang="ko-KR" b="0" i="1" smtClean="0">
+                                          <a:latin typeface="Cambria Math" panose="02040503050406030204" pitchFamily="18" charset="0"/>
+                                        </a:rPr>
+                                      </m:ctrlPr>
+                                    </m:dPr>
+                                    <m:e>
+                                      <m:r>
+                                        <a:rPr lang="en-US" altLang="ko-KR" b="0" i="1" smtClean="0">
+                                          <a:latin typeface="Cambria Math" panose="02040503050406030204" pitchFamily="18" charset="0"/>
+                                        </a:rPr>
+                                        <m:t>𝑦</m:t>
+                                      </m:r>
+                                    </m:e>
+                                    <m:e>
+                                      <m:r>
+                                        <a:rPr lang="en-US" altLang="ko-KR" b="0" i="1" smtClean="0">
+                                          <a:latin typeface="Cambria Math" panose="02040503050406030204" pitchFamily="18" charset="0"/>
+                                        </a:rPr>
+                                        <m:t>𝑥</m:t>
+                                      </m:r>
+                                      <m:r>
+                                        <a:rPr lang="en-US" altLang="ko-KR" b="0" i="1" smtClean="0">
+                                          <a:latin typeface="Cambria Math" panose="02040503050406030204" pitchFamily="18" charset="0"/>
+                                        </a:rPr>
+                                        <m:t>,</m:t>
+                                      </m:r>
+                                      <m:r>
+                                        <a:rPr lang="en-US" altLang="ko-KR" b="0" i="1" smtClean="0">
+                                          <a:latin typeface="Cambria Math" panose="02040503050406030204" pitchFamily="18" charset="0"/>
+                                        </a:rPr>
+                                        <m:t>𝑧</m:t>
+                                      </m:r>
+                                    </m:e>
+                                  </m:d>
+                                  <m:r>
+                                    <a:rPr lang="en-US" altLang="ko-KR" b="0" i="1" smtClean="0">
+                                      <a:latin typeface="Cambria Math" panose="02040503050406030204" pitchFamily="18" charset="0"/>
+                                    </a:rPr>
+                                    <m:t>𝑝</m:t>
+                                  </m:r>
+                                  <m:d>
+                                    <m:dPr>
+                                      <m:ctrlPr>
+                                        <a:rPr lang="en-US" altLang="ko-KR" b="0" i="1" smtClean="0">
+                                          <a:latin typeface="Cambria Math" panose="02040503050406030204" pitchFamily="18" charset="0"/>
+                                        </a:rPr>
+                                      </m:ctrlPr>
+                                    </m:dPr>
+                                    <m:e>
+                                      <m:r>
+                                        <a:rPr lang="en-US" altLang="ko-KR" b="0" i="1" smtClean="0">
+                                          <a:latin typeface="Cambria Math" panose="02040503050406030204" pitchFamily="18" charset="0"/>
+                                        </a:rPr>
+                                        <m:t>𝑥</m:t>
+                                      </m:r>
+                                      <m:r>
+                                        <a:rPr lang="en-US" altLang="ko-KR" b="0" i="1" smtClean="0">
+                                          <a:latin typeface="Cambria Math" panose="02040503050406030204" pitchFamily="18" charset="0"/>
+                                        </a:rPr>
+                                        <m:t>,</m:t>
+                                      </m:r>
+                                      <m:r>
+                                        <a:rPr lang="en-US" altLang="ko-KR" b="0" i="1" smtClean="0">
+                                          <a:latin typeface="Cambria Math" panose="02040503050406030204" pitchFamily="18" charset="0"/>
+                                        </a:rPr>
+                                        <m:t>𝑧</m:t>
+                                      </m:r>
+                                    </m:e>
+                                  </m:d>
+                                  <m:r>
+                                    <a:rPr lang="en-US" altLang="ko-KR" b="0" i="1" smtClean="0">
+                                      <a:latin typeface="Cambria Math" panose="02040503050406030204" pitchFamily="18" charset="0"/>
+                                    </a:rPr>
+                                    <m:t>𝑑𝑧</m:t>
+                                  </m:r>
+                                </m:e>
+                              </m:func>
+                            </m:e>
+                          </m:nary>
+                        </m:e>
+                      </m:func>
+                    </m:oMath>
+                  </m:oMathPara>
+                </a14:m>
+                <a:endParaRPr lang="ko-KR" altLang="en-US" dirty="0"/>
+              </a:p>
+            </p:txBody>
+          </p:sp>
+        </mc:Choice>
+        <mc:Fallback>
+          <p:sp>
+            <p:nvSpPr>
+              <p:cNvPr id="112" name="TextBox 111">
+                <a:extLst>
+                  <a:ext uri="{FF2B5EF4-FFF2-40B4-BE49-F238E27FC236}">
+                    <a16:creationId xmlns:a16="http://schemas.microsoft.com/office/drawing/2014/main" id="{18367B22-6714-48E8-824F-CD832E3018C8}"/>
+                  </a:ext>
+                </a:extLst>
+              </p:cNvPr>
+              <p:cNvSpPr txBox="1">
+                <a:spLocks noRot="1" noChangeAspect="1" noMove="1" noResize="1" noEditPoints="1" noAdjustHandles="1" noChangeArrowheads="1" noChangeShapeType="1" noTextEdit="1"/>
+              </p:cNvSpPr>
+              <p:nvPr/>
+            </p:nvSpPr>
+            <p:spPr>
+              <a:xfrm>
+                <a:off x="822697" y="5081807"/>
+                <a:ext cx="3981914" cy="658770"/>
+              </a:xfrm>
+              <a:prstGeom prst="rect">
+                <a:avLst/>
+              </a:prstGeom>
+              <a:blipFill>
+                <a:blip r:embed="rId15"/>
+                <a:stretch>
+                  <a:fillRect/>
+                </a:stretch>
+              </a:blipFill>
+            </p:spPr>
+            <p:txBody>
+              <a:bodyPr/>
+              <a:lstStyle/>
+              <a:p>
+                <a:r>
+                  <a:rPr lang="ko-KR" altLang="en-US">
+                    <a:noFill/>
+                  </a:rPr>
+                  <a:t> </a:t>
+                </a:r>
+              </a:p>
+            </p:txBody>
+          </p:sp>
+        </mc:Fallback>
+      </mc:AlternateContent>
+      <mc:AlternateContent xmlns:mc="http://schemas.openxmlformats.org/markup-compatibility/2006">
+        <mc:Choice xmlns:a14="http://schemas.microsoft.com/office/drawing/2010/main" Requires="a14">
+          <p:sp>
+            <p:nvSpPr>
+              <p:cNvPr id="113" name="TextBox 112">
+                <a:extLst>
+                  <a:ext uri="{FF2B5EF4-FFF2-40B4-BE49-F238E27FC236}">
+                    <a16:creationId xmlns:a16="http://schemas.microsoft.com/office/drawing/2014/main" id="{EE1BD831-8AE3-4DA3-945F-D086A0234DDD}"/>
+                  </a:ext>
+                </a:extLst>
+              </p:cNvPr>
+              <p:cNvSpPr txBox="1"/>
+              <p:nvPr/>
+            </p:nvSpPr>
+            <p:spPr>
+              <a:xfrm>
+                <a:off x="1525392" y="5808265"/>
+                <a:ext cx="3922558" cy="745269"/>
+              </a:xfrm>
+              <a:prstGeom prst="rect">
+                <a:avLst/>
+              </a:prstGeom>
+              <a:noFill/>
+            </p:spPr>
+            <p:txBody>
+              <a:bodyPr wrap="square" rtlCol="0">
+                <a:spAutoFit/>
+              </a:bodyPr>
+              <a:lstStyle/>
+              <a:p>
+                <a:pPr/>
+                <a14:m>
+                  <m:oMathPara xmlns:m="http://schemas.openxmlformats.org/officeDocument/2006/math">
+                    <m:oMathParaPr>
+                      <m:jc m:val="centerGroup"/>
+                    </m:oMathParaPr>
+                    <m:oMath xmlns:m="http://schemas.openxmlformats.org/officeDocument/2006/math">
+                      <m:r>
+                        <a:rPr lang="en-US" altLang="ko-KR" b="0" i="1" smtClean="0">
+                          <a:latin typeface="Cambria Math" panose="02040503050406030204" pitchFamily="18" charset="0"/>
+                        </a:rPr>
+                        <m:t>= −</m:t>
+                      </m:r>
+                      <m:r>
+                        <a:rPr lang="en-US" altLang="ko-KR" b="0" i="1" smtClean="0">
+                          <a:latin typeface="Cambria Math" panose="02040503050406030204" pitchFamily="18" charset="0"/>
+                        </a:rPr>
+                        <m:t>𝐾𝐿</m:t>
+                      </m:r>
+                      <m:d>
+                        <m:dPr>
+                          <m:ctrlPr>
+                            <a:rPr lang="en-US" altLang="ko-KR" b="0" i="1" smtClean="0">
+                              <a:latin typeface="Cambria Math" panose="02040503050406030204" pitchFamily="18" charset="0"/>
+                            </a:rPr>
+                          </m:ctrlPr>
+                        </m:dPr>
+                        <m:e>
+                          <m:sSub>
+                            <m:sSubPr>
+                              <m:ctrlPr>
+                                <a:rPr lang="en-US" altLang="ko-KR" b="0" i="1" smtClean="0">
+                                  <a:latin typeface="Cambria Math" panose="02040503050406030204" pitchFamily="18" charset="0"/>
+                                </a:rPr>
+                              </m:ctrlPr>
+                            </m:sSubPr>
+                            <m:e>
+                              <m:r>
+                                <a:rPr lang="en-US" altLang="ko-KR" b="0" i="1" smtClean="0">
+                                  <a:latin typeface="Cambria Math" panose="02040503050406030204" pitchFamily="18" charset="0"/>
+                                </a:rPr>
+                                <m:t>𝑞</m:t>
+                              </m:r>
+                            </m:e>
+                            <m:sub>
+                              <m:r>
+                                <a:rPr lang="en-US" altLang="ko-KR" b="0" i="1" smtClean="0">
+                                  <a:latin typeface="Cambria Math" panose="02040503050406030204" pitchFamily="18" charset="0"/>
+                                </a:rPr>
+                                <m:t>𝜙</m:t>
+                              </m:r>
+                            </m:sub>
+                          </m:sSub>
+                          <m:d>
+                            <m:dPr>
+                              <m:ctrlPr>
+                                <a:rPr lang="en-US" altLang="ko-KR" b="0" i="1" smtClean="0">
+                                  <a:latin typeface="Cambria Math" panose="02040503050406030204" pitchFamily="18" charset="0"/>
+                                </a:rPr>
+                              </m:ctrlPr>
+                            </m:dPr>
+                            <m:e>
+                              <m:r>
+                                <a:rPr lang="en-US" altLang="ko-KR" b="0" i="1" smtClean="0">
+                                  <a:latin typeface="Cambria Math" panose="02040503050406030204" pitchFamily="18" charset="0"/>
+                                </a:rPr>
+                                <m:t>𝑧</m:t>
+                              </m:r>
+                            </m:e>
+                            <m:e>
+                              <m:r>
+                                <a:rPr lang="en-US" altLang="ko-KR" b="0" i="1" smtClean="0">
+                                  <a:latin typeface="Cambria Math" panose="02040503050406030204" pitchFamily="18" charset="0"/>
+                                </a:rPr>
+                                <m:t>𝑥</m:t>
+                              </m:r>
+                              <m:r>
+                                <a:rPr lang="en-US" altLang="ko-KR" b="0" i="1" smtClean="0">
+                                  <a:latin typeface="Cambria Math" panose="02040503050406030204" pitchFamily="18" charset="0"/>
+                                </a:rPr>
+                                <m:t>,</m:t>
+                              </m:r>
+                              <m:r>
+                                <a:rPr lang="en-US" altLang="ko-KR" b="0" i="1" smtClean="0">
+                                  <a:latin typeface="Cambria Math" panose="02040503050406030204" pitchFamily="18" charset="0"/>
+                                </a:rPr>
+                                <m:t>𝑦</m:t>
+                              </m:r>
+                            </m:e>
+                          </m:d>
+                        </m:e>
+                        <m:e>
+                          <m:sSub>
+                            <m:sSubPr>
+                              <m:ctrlPr>
+                                <a:rPr lang="en-US" altLang="ko-KR" b="0" i="1" smtClean="0">
+                                  <a:latin typeface="Cambria Math" panose="02040503050406030204" pitchFamily="18" charset="0"/>
+                                </a:rPr>
+                              </m:ctrlPr>
+                            </m:sSubPr>
+                            <m:e>
+                              <m:r>
+                                <a:rPr lang="en-US" altLang="ko-KR" b="0" i="1" smtClean="0">
+                                  <a:latin typeface="Cambria Math" panose="02040503050406030204" pitchFamily="18" charset="0"/>
+                                </a:rPr>
+                                <m:t>𝑝</m:t>
+                              </m:r>
+                            </m:e>
+                            <m:sub>
+                              <m:r>
+                                <a:rPr lang="en-US" altLang="ko-KR" b="0" i="1" smtClean="0">
+                                  <a:latin typeface="Cambria Math" panose="02040503050406030204" pitchFamily="18" charset="0"/>
+                                </a:rPr>
+                                <m:t>𝜃</m:t>
+                              </m:r>
+                            </m:sub>
+                          </m:sSub>
+                          <m:d>
+                            <m:dPr>
+                              <m:ctrlPr>
+                                <a:rPr lang="en-US" altLang="ko-KR" b="0" i="1" smtClean="0">
+                                  <a:latin typeface="Cambria Math" panose="02040503050406030204" pitchFamily="18" charset="0"/>
+                                </a:rPr>
+                              </m:ctrlPr>
+                            </m:dPr>
+                            <m:e>
+                              <m:r>
+                                <a:rPr lang="en-US" altLang="ko-KR" b="0" i="1" smtClean="0">
+                                  <a:latin typeface="Cambria Math" panose="02040503050406030204" pitchFamily="18" charset="0"/>
+                                </a:rPr>
+                                <m:t>𝑧</m:t>
+                              </m:r>
+                            </m:e>
+                            <m:e>
+                              <m:r>
+                                <a:rPr lang="en-US" altLang="ko-KR" b="0" i="1" smtClean="0">
+                                  <a:latin typeface="Cambria Math" panose="02040503050406030204" pitchFamily="18" charset="0"/>
+                                </a:rPr>
+                                <m:t>𝑥</m:t>
+                              </m:r>
+                            </m:e>
+                          </m:d>
+                        </m:e>
+                      </m:d>
+                    </m:oMath>
+                  </m:oMathPara>
+                </a14:m>
+                <a:endParaRPr lang="en-US" altLang="ko-KR" dirty="0"/>
+              </a:p>
+              <a:p>
+                <a:r>
+                  <a:rPr lang="en-US" altLang="ko-KR" b="0" dirty="0"/>
+                  <a:t>          </a:t>
+                </a:r>
+                <a14:m>
+                  <m:oMath xmlns:m="http://schemas.openxmlformats.org/officeDocument/2006/math">
+                    <m:r>
+                      <a:rPr lang="en-US" altLang="ko-KR" b="0" i="1" smtClean="0">
+                        <a:latin typeface="Cambria Math" panose="02040503050406030204" pitchFamily="18" charset="0"/>
+                      </a:rPr>
+                      <m:t>+</m:t>
+                    </m:r>
+                    <m:sSub>
+                      <m:sSubPr>
+                        <m:ctrlPr>
+                          <a:rPr lang="en-US" altLang="ko-KR" b="0" i="1" smtClean="0">
+                            <a:latin typeface="Cambria Math" panose="02040503050406030204" pitchFamily="18" charset="0"/>
+                          </a:rPr>
+                        </m:ctrlPr>
+                      </m:sSubPr>
+                      <m:e>
+                        <m:r>
+                          <a:rPr lang="en-US" altLang="ko-KR" b="0" i="1" smtClean="0">
+                            <a:latin typeface="Cambria Math" panose="02040503050406030204" pitchFamily="18" charset="0"/>
+                          </a:rPr>
+                          <m:t>𝐸</m:t>
+                        </m:r>
+                      </m:e>
+                      <m:sub>
+                        <m:sSub>
+                          <m:sSubPr>
+                            <m:ctrlPr>
+                              <a:rPr lang="en-US" altLang="ko-KR" b="0" i="1" smtClean="0">
+                                <a:latin typeface="Cambria Math" panose="02040503050406030204" pitchFamily="18" charset="0"/>
+                              </a:rPr>
+                            </m:ctrlPr>
+                          </m:sSubPr>
+                          <m:e>
+                            <m:r>
+                              <a:rPr lang="en-US" altLang="ko-KR" b="0" i="1" smtClean="0">
+                                <a:latin typeface="Cambria Math" panose="02040503050406030204" pitchFamily="18" charset="0"/>
+                              </a:rPr>
+                              <m:t>𝑞</m:t>
+                            </m:r>
+                          </m:e>
+                          <m:sub>
+                            <m:r>
+                              <a:rPr lang="en-US" altLang="ko-KR" b="0" i="1" smtClean="0">
+                                <a:latin typeface="Cambria Math" panose="02040503050406030204" pitchFamily="18" charset="0"/>
+                              </a:rPr>
+                              <m:t>𝜙</m:t>
+                            </m:r>
+                          </m:sub>
+                        </m:sSub>
+                      </m:sub>
+                    </m:sSub>
+                    <m:r>
+                      <a:rPr lang="en-US" altLang="ko-KR" b="0" i="1" smtClean="0">
+                        <a:latin typeface="Cambria Math" panose="02040503050406030204" pitchFamily="18" charset="0"/>
+                      </a:rPr>
+                      <m:t>[</m:t>
+                    </m:r>
+                    <m:func>
+                      <m:funcPr>
+                        <m:ctrlPr>
+                          <a:rPr lang="en-US" altLang="ko-KR" b="0" i="1" smtClean="0">
+                            <a:latin typeface="Cambria Math" panose="02040503050406030204" pitchFamily="18" charset="0"/>
+                          </a:rPr>
+                        </m:ctrlPr>
+                      </m:funcPr>
+                      <m:fName>
+                        <m:r>
+                          <m:rPr>
+                            <m:sty m:val="p"/>
+                          </m:rPr>
+                          <a:rPr lang="en-US" altLang="ko-KR" b="0" i="0" smtClean="0">
+                            <a:latin typeface="Cambria Math" panose="02040503050406030204" pitchFamily="18" charset="0"/>
+                          </a:rPr>
+                          <m:t>log</m:t>
+                        </m:r>
+                      </m:fName>
+                      <m:e>
+                        <m:r>
+                          <a:rPr lang="en-US" altLang="ko-KR" b="0" i="1" smtClean="0">
+                            <a:latin typeface="Cambria Math" panose="02040503050406030204" pitchFamily="18" charset="0"/>
+                          </a:rPr>
+                          <m:t>𝑝</m:t>
+                        </m:r>
+                        <m:r>
+                          <a:rPr lang="en-US" altLang="ko-KR" b="0" i="1" smtClean="0">
+                            <a:latin typeface="Cambria Math" panose="02040503050406030204" pitchFamily="18" charset="0"/>
+                          </a:rPr>
+                          <m:t>(</m:t>
+                        </m:r>
+                        <m:r>
+                          <a:rPr lang="en-US" altLang="ko-KR" b="0" i="1" smtClean="0">
+                            <a:latin typeface="Cambria Math" panose="02040503050406030204" pitchFamily="18" charset="0"/>
+                          </a:rPr>
+                          <m:t>𝑦</m:t>
+                        </m:r>
+                        <m:r>
+                          <a:rPr lang="en-US" altLang="ko-KR" b="0" i="1" smtClean="0">
+                            <a:latin typeface="Cambria Math" panose="02040503050406030204" pitchFamily="18" charset="0"/>
+                          </a:rPr>
+                          <m:t>|</m:t>
+                        </m:r>
+                        <m:r>
+                          <a:rPr lang="en-US" altLang="ko-KR" b="0" i="1" smtClean="0">
+                            <a:latin typeface="Cambria Math" panose="02040503050406030204" pitchFamily="18" charset="0"/>
+                          </a:rPr>
+                          <m:t>𝑥</m:t>
+                        </m:r>
+                        <m:r>
+                          <a:rPr lang="en-US" altLang="ko-KR" b="0" i="1" smtClean="0">
+                            <a:latin typeface="Cambria Math" panose="02040503050406030204" pitchFamily="18" charset="0"/>
+                          </a:rPr>
+                          <m:t>,</m:t>
+                        </m:r>
+                        <m:r>
+                          <a:rPr lang="en-US" altLang="ko-KR" b="0" i="1" smtClean="0">
+                            <a:latin typeface="Cambria Math" panose="02040503050406030204" pitchFamily="18" charset="0"/>
+                          </a:rPr>
+                          <m:t>𝑧</m:t>
+                        </m:r>
+                        <m:r>
+                          <a:rPr lang="en-US" altLang="ko-KR" b="0" i="1" smtClean="0">
+                            <a:latin typeface="Cambria Math" panose="02040503050406030204" pitchFamily="18" charset="0"/>
+                          </a:rPr>
+                          <m:t>)</m:t>
+                        </m:r>
+                      </m:e>
+                    </m:func>
+                    <m:r>
+                      <a:rPr lang="en-US" altLang="ko-KR" b="0" i="1" smtClean="0">
+                        <a:latin typeface="Cambria Math" panose="02040503050406030204" pitchFamily="18" charset="0"/>
+                      </a:rPr>
+                      <m:t>]</m:t>
+                    </m:r>
+                  </m:oMath>
+                </a14:m>
+                <a:endParaRPr lang="ko-KR" altLang="en-US" dirty="0"/>
+              </a:p>
+            </p:txBody>
+          </p:sp>
+        </mc:Choice>
+        <mc:Fallback>
+          <p:sp>
+            <p:nvSpPr>
+              <p:cNvPr id="113" name="TextBox 112">
+                <a:extLst>
+                  <a:ext uri="{FF2B5EF4-FFF2-40B4-BE49-F238E27FC236}">
+                    <a16:creationId xmlns:a16="http://schemas.microsoft.com/office/drawing/2014/main" id="{EE1BD831-8AE3-4DA3-945F-D086A0234DDD}"/>
+                  </a:ext>
+                </a:extLst>
+              </p:cNvPr>
+              <p:cNvSpPr txBox="1">
+                <a:spLocks noRot="1" noChangeAspect="1" noMove="1" noResize="1" noEditPoints="1" noAdjustHandles="1" noChangeArrowheads="1" noChangeShapeType="1" noTextEdit="1"/>
+              </p:cNvSpPr>
+              <p:nvPr/>
+            </p:nvSpPr>
+            <p:spPr>
+              <a:xfrm>
+                <a:off x="1525392" y="5808265"/>
+                <a:ext cx="3922558" cy="745269"/>
+              </a:xfrm>
+              <a:prstGeom prst="rect">
+                <a:avLst/>
+              </a:prstGeom>
+              <a:blipFill>
+                <a:blip r:embed="rId16"/>
+                <a:stretch>
+                  <a:fillRect b="-3279"/>
+                </a:stretch>
+              </a:blipFill>
+            </p:spPr>
+            <p:txBody>
+              <a:bodyPr/>
+              <a:lstStyle/>
+              <a:p>
+                <a:r>
+                  <a:rPr lang="ko-KR" altLang="en-US">
+                    <a:noFill/>
+                  </a:rPr>
+                  <a:t> </a:t>
+                </a:r>
+              </a:p>
+            </p:txBody>
+          </p:sp>
+        </mc:Fallback>
+      </mc:AlternateContent>
     </p:spTree>
     <p:extLst>
       <p:ext uri="{BB962C8B-B14F-4D97-AF65-F5344CB8AC3E}">

--- a/presentation.pptx
+++ b/presentation.pptx
@@ -274,7 +274,7 @@
           <a:p>
             <a:fld id="{66FBF31F-D646-4B4D-8BD4-04E24DAB732E}" type="datetimeFigureOut">
               <a:rPr lang="ko-KR" altLang="en-US" smtClean="0"/>
-              <a:t>2021-01-13</a:t>
+              <a:t>2021-01-20</a:t>
             </a:fld>
             <a:endParaRPr lang="ko-KR" altLang="en-US"/>
           </a:p>
@@ -472,7 +472,7 @@
           <a:p>
             <a:fld id="{66FBF31F-D646-4B4D-8BD4-04E24DAB732E}" type="datetimeFigureOut">
               <a:rPr lang="ko-KR" altLang="en-US" smtClean="0"/>
-              <a:t>2021-01-13</a:t>
+              <a:t>2021-01-20</a:t>
             </a:fld>
             <a:endParaRPr lang="ko-KR" altLang="en-US"/>
           </a:p>
@@ -680,7 +680,7 @@
           <a:p>
             <a:fld id="{66FBF31F-D646-4B4D-8BD4-04E24DAB732E}" type="datetimeFigureOut">
               <a:rPr lang="ko-KR" altLang="en-US" smtClean="0"/>
-              <a:t>2021-01-13</a:t>
+              <a:t>2021-01-20</a:t>
             </a:fld>
             <a:endParaRPr lang="ko-KR" altLang="en-US"/>
           </a:p>
@@ -878,7 +878,7 @@
           <a:p>
             <a:fld id="{66FBF31F-D646-4B4D-8BD4-04E24DAB732E}" type="datetimeFigureOut">
               <a:rPr lang="ko-KR" altLang="en-US" smtClean="0"/>
-              <a:t>2021-01-13</a:t>
+              <a:t>2021-01-20</a:t>
             </a:fld>
             <a:endParaRPr lang="ko-KR" altLang="en-US"/>
           </a:p>
@@ -1153,7 +1153,7 @@
           <a:p>
             <a:fld id="{66FBF31F-D646-4B4D-8BD4-04E24DAB732E}" type="datetimeFigureOut">
               <a:rPr lang="ko-KR" altLang="en-US" smtClean="0"/>
-              <a:t>2021-01-13</a:t>
+              <a:t>2021-01-20</a:t>
             </a:fld>
             <a:endParaRPr lang="ko-KR" altLang="en-US"/>
           </a:p>
@@ -1418,7 +1418,7 @@
           <a:p>
             <a:fld id="{66FBF31F-D646-4B4D-8BD4-04E24DAB732E}" type="datetimeFigureOut">
               <a:rPr lang="ko-KR" altLang="en-US" smtClean="0"/>
-              <a:t>2021-01-13</a:t>
+              <a:t>2021-01-20</a:t>
             </a:fld>
             <a:endParaRPr lang="ko-KR" altLang="en-US"/>
           </a:p>
@@ -1830,7 +1830,7 @@
           <a:p>
             <a:fld id="{66FBF31F-D646-4B4D-8BD4-04E24DAB732E}" type="datetimeFigureOut">
               <a:rPr lang="ko-KR" altLang="en-US" smtClean="0"/>
-              <a:t>2021-01-13</a:t>
+              <a:t>2021-01-20</a:t>
             </a:fld>
             <a:endParaRPr lang="ko-KR" altLang="en-US"/>
           </a:p>
@@ -1971,7 +1971,7 @@
           <a:p>
             <a:fld id="{66FBF31F-D646-4B4D-8BD4-04E24DAB732E}" type="datetimeFigureOut">
               <a:rPr lang="ko-KR" altLang="en-US" smtClean="0"/>
-              <a:t>2021-01-13</a:t>
+              <a:t>2021-01-20</a:t>
             </a:fld>
             <a:endParaRPr lang="ko-KR" altLang="en-US"/>
           </a:p>
@@ -2084,7 +2084,7 @@
           <a:p>
             <a:fld id="{66FBF31F-D646-4B4D-8BD4-04E24DAB732E}" type="datetimeFigureOut">
               <a:rPr lang="ko-KR" altLang="en-US" smtClean="0"/>
-              <a:t>2021-01-13</a:t>
+              <a:t>2021-01-20</a:t>
             </a:fld>
             <a:endParaRPr lang="ko-KR" altLang="en-US"/>
           </a:p>
@@ -2395,7 +2395,7 @@
           <a:p>
             <a:fld id="{66FBF31F-D646-4B4D-8BD4-04E24DAB732E}" type="datetimeFigureOut">
               <a:rPr lang="ko-KR" altLang="en-US" smtClean="0"/>
-              <a:t>2021-01-13</a:t>
+              <a:t>2021-01-20</a:t>
             </a:fld>
             <a:endParaRPr lang="ko-KR" altLang="en-US"/>
           </a:p>
@@ -2683,7 +2683,7 @@
           <a:p>
             <a:fld id="{66FBF31F-D646-4B4D-8BD4-04E24DAB732E}" type="datetimeFigureOut">
               <a:rPr lang="ko-KR" altLang="en-US" smtClean="0"/>
-              <a:t>2021-01-13</a:t>
+              <a:t>2021-01-20</a:t>
             </a:fld>
             <a:endParaRPr lang="ko-KR" altLang="en-US"/>
           </a:p>
@@ -2924,7 +2924,7 @@
           <a:p>
             <a:fld id="{66FBF31F-D646-4B4D-8BD4-04E24DAB732E}" type="datetimeFigureOut">
               <a:rPr lang="ko-KR" altLang="en-US" smtClean="0"/>
-              <a:t>2021-01-13</a:t>
+              <a:t>2021-01-20</a:t>
             </a:fld>
             <a:endParaRPr lang="ko-KR" altLang="en-US"/>
           </a:p>
@@ -31618,8 +31618,8 @@
         </p:blipFill>
         <p:spPr>
           <a:xfrm>
-            <a:off x="6054802" y="964956"/>
-            <a:ext cx="3597650" cy="376999"/>
+            <a:off x="5864844" y="861587"/>
+            <a:ext cx="4217058" cy="441907"/>
           </a:xfrm>
           <a:prstGeom prst="rect">
             <a:avLst/>
@@ -40455,8 +40455,8 @@
           </a:p>
         </p:txBody>
       </p:sp>
-      <mc:AlternateContent xmlns:mc="http://schemas.openxmlformats.org/markup-compatibility/2006">
-        <mc:Choice xmlns:a14="http://schemas.microsoft.com/office/drawing/2010/main" Requires="a14">
+      <mc:AlternateContent xmlns:mc="http://schemas.openxmlformats.org/markup-compatibility/2006" xmlns:a14="http://schemas.microsoft.com/office/drawing/2010/main">
+        <mc:Choice Requires="a14">
           <p:sp>
             <p:nvSpPr>
               <p:cNvPr id="112" name="TextBox 111">
@@ -40703,7 +40703,7 @@
             </p:txBody>
           </p:sp>
         </mc:Choice>
-        <mc:Fallback>
+        <mc:Fallback xmlns="">
           <p:sp>
             <p:nvSpPr>
               <p:cNvPr id="112" name="TextBox 111">
@@ -40748,8 +40748,8 @@
           </p:sp>
         </mc:Fallback>
       </mc:AlternateContent>
-      <mc:AlternateContent xmlns:mc="http://schemas.openxmlformats.org/markup-compatibility/2006">
-        <mc:Choice xmlns:a14="http://schemas.microsoft.com/office/drawing/2010/main" Requires="a14">
+      <mc:AlternateContent xmlns:mc="http://schemas.openxmlformats.org/markup-compatibility/2006" xmlns:a14="http://schemas.microsoft.com/office/drawing/2010/main">
+        <mc:Choice Requires="a14">
           <p:sp>
             <p:nvSpPr>
               <p:cNvPr id="113" name="TextBox 112">
@@ -41073,7 +41073,7 @@
             </p:txBody>
           </p:sp>
         </mc:Choice>
-        <mc:Fallback>
+        <mc:Fallback xmlns="">
           <p:sp>
             <p:nvSpPr>
               <p:cNvPr id="113" name="TextBox 112">
